--- a/Word Frequency Processing.pptx
+++ b/Word Frequency Processing.pptx
@@ -13331,7 +13331,7 @@
               <a:t> shine, &amp; Richie </a:t>
             </a:r>
             <a:r>
-              <a:rPr lang="en-US" smtClean="0"/>
+              <a:rPr lang="en-US" dirty="0" err="1" smtClean="0"/>
               <a:t>bachtiar</a:t>
             </a:r>
             <a:endParaRPr lang="en-US" dirty="0"/>
